--- a/analysis/figure 2.pptx
+++ b/analysis/figure 2.pptx
@@ -6,6 +6,7 @@
   </p:sldMasterIdLst>
   <p:sldIdLst>
     <p:sldId id="256" r:id="rId2"/>
+    <p:sldId id="257" r:id="rId3"/>
   </p:sldIdLst>
   <p:sldSz cx="9144000" cy="6858000" type="screen4x3"/>
   <p:notesSz cx="6858000" cy="9144000"/>
@@ -104,6 +105,11 @@
       </a:defRPr>
     </a:lvl9pPr>
   </p:defaultTextStyle>
+  <p:extLst>
+    <p:ext uri="{EFAFB233-063F-42B5-8137-9DF3F51BA10A}">
+      <p15:sldGuideLst xmlns:p15="http://schemas.microsoft.com/office/powerpoint/2012/main"/>
+    </p:ext>
+  </p:extLst>
 </p:presentation>
 </file>
 
@@ -238,7 +244,7 @@
           <a:p>
             <a:fld id="{7C8502BC-4476-DD4F-9A5F-F44B59F96C31}" type="datetimeFigureOut">
               <a:rPr lang="en-US" smtClean="0"/>
-              <a:t>8/21/20</a:t>
+              <a:t>8/25/20</a:t>
             </a:fld>
             <a:endParaRPr lang="en-US"/>
           </a:p>
@@ -408,7 +414,7 @@
           <a:p>
             <a:fld id="{7C8502BC-4476-DD4F-9A5F-F44B59F96C31}" type="datetimeFigureOut">
               <a:rPr lang="en-US" smtClean="0"/>
-              <a:t>8/21/20</a:t>
+              <a:t>8/25/20</a:t>
             </a:fld>
             <a:endParaRPr lang="en-US"/>
           </a:p>
@@ -588,7 +594,7 @@
           <a:p>
             <a:fld id="{7C8502BC-4476-DD4F-9A5F-F44B59F96C31}" type="datetimeFigureOut">
               <a:rPr lang="en-US" smtClean="0"/>
-              <a:t>8/21/20</a:t>
+              <a:t>8/25/20</a:t>
             </a:fld>
             <a:endParaRPr lang="en-US"/>
           </a:p>
@@ -758,7 +764,7 @@
           <a:p>
             <a:fld id="{7C8502BC-4476-DD4F-9A5F-F44B59F96C31}" type="datetimeFigureOut">
               <a:rPr lang="en-US" smtClean="0"/>
-              <a:t>8/21/20</a:t>
+              <a:t>8/25/20</a:t>
             </a:fld>
             <a:endParaRPr lang="en-US"/>
           </a:p>
@@ -1002,7 +1008,7 @@
           <a:p>
             <a:fld id="{7C8502BC-4476-DD4F-9A5F-F44B59F96C31}" type="datetimeFigureOut">
               <a:rPr lang="en-US" smtClean="0"/>
-              <a:t>8/21/20</a:t>
+              <a:t>8/25/20</a:t>
             </a:fld>
             <a:endParaRPr lang="en-US"/>
           </a:p>
@@ -1234,7 +1240,7 @@
           <a:p>
             <a:fld id="{7C8502BC-4476-DD4F-9A5F-F44B59F96C31}" type="datetimeFigureOut">
               <a:rPr lang="en-US" smtClean="0"/>
-              <a:t>8/21/20</a:t>
+              <a:t>8/25/20</a:t>
             </a:fld>
             <a:endParaRPr lang="en-US"/>
           </a:p>
@@ -1601,7 +1607,7 @@
           <a:p>
             <a:fld id="{7C8502BC-4476-DD4F-9A5F-F44B59F96C31}" type="datetimeFigureOut">
               <a:rPr lang="en-US" smtClean="0"/>
-              <a:t>8/21/20</a:t>
+              <a:t>8/25/20</a:t>
             </a:fld>
             <a:endParaRPr lang="en-US"/>
           </a:p>
@@ -1719,7 +1725,7 @@
           <a:p>
             <a:fld id="{7C8502BC-4476-DD4F-9A5F-F44B59F96C31}" type="datetimeFigureOut">
               <a:rPr lang="en-US" smtClean="0"/>
-              <a:t>8/21/20</a:t>
+              <a:t>8/25/20</a:t>
             </a:fld>
             <a:endParaRPr lang="en-US"/>
           </a:p>
@@ -1814,7 +1820,7 @@
           <a:p>
             <a:fld id="{7C8502BC-4476-DD4F-9A5F-F44B59F96C31}" type="datetimeFigureOut">
               <a:rPr lang="en-US" smtClean="0"/>
-              <a:t>8/21/20</a:t>
+              <a:t>8/25/20</a:t>
             </a:fld>
             <a:endParaRPr lang="en-US"/>
           </a:p>
@@ -2091,7 +2097,7 @@
           <a:p>
             <a:fld id="{7C8502BC-4476-DD4F-9A5F-F44B59F96C31}" type="datetimeFigureOut">
               <a:rPr lang="en-US" smtClean="0"/>
-              <a:t>8/21/20</a:t>
+              <a:t>8/25/20</a:t>
             </a:fld>
             <a:endParaRPr lang="en-US"/>
           </a:p>
@@ -2348,7 +2354,7 @@
           <a:p>
             <a:fld id="{7C8502BC-4476-DD4F-9A5F-F44B59F96C31}" type="datetimeFigureOut">
               <a:rPr lang="en-US" smtClean="0"/>
-              <a:t>8/21/20</a:t>
+              <a:t>8/25/20</a:t>
             </a:fld>
             <a:endParaRPr lang="en-US"/>
           </a:p>
@@ -2561,7 +2567,7 @@
           <a:p>
             <a:fld id="{7C8502BC-4476-DD4F-9A5F-F44B59F96C31}" type="datetimeFigureOut">
               <a:rPr lang="en-US" smtClean="0"/>
-              <a:t>8/21/20</a:t>
+              <a:t>8/25/20</a:t>
             </a:fld>
             <a:endParaRPr lang="en-US"/>
           </a:p>
@@ -3239,6 +3245,382 @@
 </p:sld>
 </file>
 
+<file path=ppt/slides/slide2.xml><?xml version="1.0" encoding="utf-8"?>
+<p:sld xmlns:a="http://schemas.openxmlformats.org/drawingml/2006/main" xmlns:r="http://schemas.openxmlformats.org/officeDocument/2006/relationships" xmlns:p="http://schemas.openxmlformats.org/presentationml/2006/main">
+  <p:cSld>
+    <p:spTree>
+      <p:nvGrpSpPr>
+        <p:cNvPr id="1" name=""/>
+        <p:cNvGrpSpPr/>
+        <p:nvPr/>
+      </p:nvGrpSpPr>
+      <p:grpSpPr>
+        <a:xfrm>
+          <a:off x="0" y="0"/>
+          <a:ext cx="0" cy="0"/>
+          <a:chOff x="0" y="0"/>
+          <a:chExt cx="0" cy="0"/>
+        </a:xfrm>
+      </p:grpSpPr>
+      <p:grpSp>
+        <p:nvGrpSpPr>
+          <p:cNvPr id="25" name="Group 24">
+            <a:extLst>
+              <a:ext uri="{FF2B5EF4-FFF2-40B4-BE49-F238E27FC236}">
+                <a16:creationId xmlns:a16="http://schemas.microsoft.com/office/drawing/2014/main" id="{354E7E7A-9ED1-9E40-B82F-EC6D0B609345}"/>
+              </a:ext>
+            </a:extLst>
+          </p:cNvPr>
+          <p:cNvGrpSpPr/>
+          <p:nvPr/>
+        </p:nvGrpSpPr>
+        <p:grpSpPr>
+          <a:xfrm>
+            <a:off x="-31966" y="274320"/>
+            <a:ext cx="7365003" cy="5024161"/>
+            <a:chOff x="-31966" y="274320"/>
+            <a:chExt cx="7365003" cy="5024161"/>
+          </a:xfrm>
+        </p:grpSpPr>
+        <p:pic>
+          <p:nvPicPr>
+            <p:cNvPr id="3" name="Picture 2">
+              <a:extLst>
+                <a:ext uri="{FF2B5EF4-FFF2-40B4-BE49-F238E27FC236}">
+                  <a16:creationId xmlns:a16="http://schemas.microsoft.com/office/drawing/2014/main" id="{01C95431-8E95-FB4F-B8F0-802576CA68FB}"/>
+                </a:ext>
+              </a:extLst>
+            </p:cNvPr>
+            <p:cNvPicPr>
+              <a:picLocks noChangeAspect="1"/>
+            </p:cNvPicPr>
+            <p:nvPr/>
+          </p:nvPicPr>
+          <p:blipFill>
+            <a:blip r:embed="rId2"/>
+            <a:stretch>
+              <a:fillRect/>
+            </a:stretch>
+          </p:blipFill>
+          <p:spPr>
+            <a:xfrm>
+              <a:off x="285750" y="3493066"/>
+              <a:ext cx="4071887" cy="1628755"/>
+            </a:xfrm>
+            <a:prstGeom prst="rect">
+              <a:avLst/>
+            </a:prstGeom>
+          </p:spPr>
+        </p:pic>
+        <p:pic>
+          <p:nvPicPr>
+            <p:cNvPr id="5" name="Picture 4">
+              <a:extLst>
+                <a:ext uri="{FF2B5EF4-FFF2-40B4-BE49-F238E27FC236}">
+                  <a16:creationId xmlns:a16="http://schemas.microsoft.com/office/drawing/2014/main" id="{9EB05DF1-A089-D746-BF04-A2330CA79E28}"/>
+                </a:ext>
+              </a:extLst>
+            </p:cNvPr>
+            <p:cNvPicPr>
+              <a:picLocks noChangeAspect="1"/>
+            </p:cNvPicPr>
+            <p:nvPr/>
+          </p:nvPicPr>
+          <p:blipFill>
+            <a:blip r:embed="rId3"/>
+            <a:stretch>
+              <a:fillRect/>
+            </a:stretch>
+          </p:blipFill>
+          <p:spPr>
+            <a:xfrm>
+              <a:off x="194310" y="274320"/>
+              <a:ext cx="4163327" cy="1665330"/>
+            </a:xfrm>
+            <a:prstGeom prst="rect">
+              <a:avLst/>
+            </a:prstGeom>
+          </p:spPr>
+        </p:pic>
+        <p:pic>
+          <p:nvPicPr>
+            <p:cNvPr id="9" name="Picture 8">
+              <a:extLst>
+                <a:ext uri="{FF2B5EF4-FFF2-40B4-BE49-F238E27FC236}">
+                  <a16:creationId xmlns:a16="http://schemas.microsoft.com/office/drawing/2014/main" id="{6F768DF9-18DA-F141-8DDD-B184A5E6ED7A}"/>
+                </a:ext>
+              </a:extLst>
+            </p:cNvPr>
+            <p:cNvPicPr>
+              <a:picLocks noChangeAspect="1"/>
+            </p:cNvPicPr>
+            <p:nvPr/>
+          </p:nvPicPr>
+          <p:blipFill>
+            <a:blip r:embed="rId4"/>
+            <a:stretch>
+              <a:fillRect/>
+            </a:stretch>
+          </p:blipFill>
+          <p:spPr>
+            <a:xfrm>
+              <a:off x="207189" y="1883693"/>
+              <a:ext cx="4163327" cy="1665330"/>
+            </a:xfrm>
+            <a:prstGeom prst="rect">
+              <a:avLst/>
+            </a:prstGeom>
+          </p:spPr>
+        </p:pic>
+        <p:sp>
+          <p:nvSpPr>
+            <p:cNvPr id="12" name="TextBox 11">
+              <a:extLst>
+                <a:ext uri="{FF2B5EF4-FFF2-40B4-BE49-F238E27FC236}">
+                  <a16:creationId xmlns:a16="http://schemas.microsoft.com/office/drawing/2014/main" id="{B719FBB7-8B1F-8143-AAE5-5F0067852E1D}"/>
+                </a:ext>
+              </a:extLst>
+            </p:cNvPr>
+            <p:cNvSpPr txBox="1"/>
+            <p:nvPr/>
+          </p:nvSpPr>
+          <p:spPr>
+            <a:xfrm>
+              <a:off x="-31966" y="274320"/>
+              <a:ext cx="317716" cy="369332"/>
+            </a:xfrm>
+            <a:prstGeom prst="rect">
+              <a:avLst/>
+            </a:prstGeom>
+            <a:noFill/>
+          </p:spPr>
+          <p:txBody>
+            <a:bodyPr wrap="none" rtlCol="0">
+              <a:spAutoFit/>
+            </a:bodyPr>
+            <a:lstStyle/>
+            <a:p>
+              <a:r>
+                <a:rPr lang="en-US" dirty="0"/>
+                <a:t>A</a:t>
+              </a:r>
+            </a:p>
+          </p:txBody>
+        </p:sp>
+        <p:sp>
+          <p:nvSpPr>
+            <p:cNvPr id="13" name="TextBox 12">
+              <a:extLst>
+                <a:ext uri="{FF2B5EF4-FFF2-40B4-BE49-F238E27FC236}">
+                  <a16:creationId xmlns:a16="http://schemas.microsoft.com/office/drawing/2014/main" id="{3879CB7C-648A-CA45-BBA2-81A410C6A6C3}"/>
+                </a:ext>
+              </a:extLst>
+            </p:cNvPr>
+            <p:cNvSpPr txBox="1"/>
+            <p:nvPr/>
+          </p:nvSpPr>
+          <p:spPr>
+            <a:xfrm>
+              <a:off x="-31966" y="1883693"/>
+              <a:ext cx="317716" cy="369332"/>
+            </a:xfrm>
+            <a:prstGeom prst="rect">
+              <a:avLst/>
+            </a:prstGeom>
+            <a:noFill/>
+          </p:spPr>
+          <p:txBody>
+            <a:bodyPr wrap="none" rtlCol="0">
+              <a:spAutoFit/>
+            </a:bodyPr>
+            <a:lstStyle/>
+            <a:p>
+              <a:r>
+                <a:rPr lang="en-US" dirty="0"/>
+                <a:t>B</a:t>
+              </a:r>
+            </a:p>
+          </p:txBody>
+        </p:sp>
+        <p:sp>
+          <p:nvSpPr>
+            <p:cNvPr id="14" name="TextBox 13">
+              <a:extLst>
+                <a:ext uri="{FF2B5EF4-FFF2-40B4-BE49-F238E27FC236}">
+                  <a16:creationId xmlns:a16="http://schemas.microsoft.com/office/drawing/2014/main" id="{4B2B9575-8064-1F4C-842A-2E2DBEEE64E4}"/>
+                </a:ext>
+              </a:extLst>
+            </p:cNvPr>
+            <p:cNvSpPr txBox="1"/>
+            <p:nvPr/>
+          </p:nvSpPr>
+          <p:spPr>
+            <a:xfrm>
+              <a:off x="-31966" y="3474680"/>
+              <a:ext cx="317716" cy="369332"/>
+            </a:xfrm>
+            <a:prstGeom prst="rect">
+              <a:avLst/>
+            </a:prstGeom>
+            <a:noFill/>
+          </p:spPr>
+          <p:txBody>
+            <a:bodyPr wrap="none" rtlCol="0">
+              <a:spAutoFit/>
+            </a:bodyPr>
+            <a:lstStyle/>
+            <a:p>
+              <a:r>
+                <a:rPr lang="en-US" dirty="0"/>
+                <a:t>C</a:t>
+              </a:r>
+            </a:p>
+          </p:txBody>
+        </p:sp>
+        <p:sp>
+          <p:nvSpPr>
+            <p:cNvPr id="17" name="TextBox 16">
+              <a:extLst>
+                <a:ext uri="{FF2B5EF4-FFF2-40B4-BE49-F238E27FC236}">
+                  <a16:creationId xmlns:a16="http://schemas.microsoft.com/office/drawing/2014/main" id="{37F7852A-570B-4145-8B7E-B636997E7A89}"/>
+                </a:ext>
+              </a:extLst>
+            </p:cNvPr>
+            <p:cNvSpPr txBox="1"/>
+            <p:nvPr/>
+          </p:nvSpPr>
+          <p:spPr>
+            <a:xfrm>
+              <a:off x="4548531" y="274320"/>
+              <a:ext cx="327334" cy="369332"/>
+            </a:xfrm>
+            <a:prstGeom prst="rect">
+              <a:avLst/>
+            </a:prstGeom>
+            <a:noFill/>
+          </p:spPr>
+          <p:txBody>
+            <a:bodyPr wrap="none" rtlCol="0">
+              <a:spAutoFit/>
+            </a:bodyPr>
+            <a:lstStyle/>
+            <a:p>
+              <a:r>
+                <a:rPr lang="en-US" dirty="0"/>
+                <a:t>D</a:t>
+              </a:r>
+            </a:p>
+          </p:txBody>
+        </p:sp>
+        <p:pic>
+          <p:nvPicPr>
+            <p:cNvPr id="8" name="Picture 7">
+              <a:extLst>
+                <a:ext uri="{FF2B5EF4-FFF2-40B4-BE49-F238E27FC236}">
+                  <a16:creationId xmlns:a16="http://schemas.microsoft.com/office/drawing/2014/main" id="{F0C95502-5DCD-3443-88C2-2BE64ACF02EE}"/>
+                </a:ext>
+              </a:extLst>
+            </p:cNvPr>
+            <p:cNvPicPr>
+              <a:picLocks noChangeAspect="1"/>
+            </p:cNvPicPr>
+            <p:nvPr/>
+          </p:nvPicPr>
+          <p:blipFill>
+            <a:blip r:embed="rId5"/>
+            <a:stretch>
+              <a:fillRect/>
+            </a:stretch>
+          </p:blipFill>
+          <p:spPr>
+            <a:xfrm>
+              <a:off x="4859657" y="274320"/>
+              <a:ext cx="2473380" cy="1978705"/>
+            </a:xfrm>
+            <a:prstGeom prst="rect">
+              <a:avLst/>
+            </a:prstGeom>
+          </p:spPr>
+        </p:pic>
+        <p:pic>
+          <p:nvPicPr>
+            <p:cNvPr id="23" name="Picture 22">
+              <a:extLst>
+                <a:ext uri="{FF2B5EF4-FFF2-40B4-BE49-F238E27FC236}">
+                  <a16:creationId xmlns:a16="http://schemas.microsoft.com/office/drawing/2014/main" id="{CA22ADAF-42D6-2B4F-9B0D-FEC0E3532BE3}"/>
+                </a:ext>
+              </a:extLst>
+            </p:cNvPr>
+            <p:cNvPicPr>
+              <a:picLocks noChangeAspect="1"/>
+            </p:cNvPicPr>
+            <p:nvPr/>
+          </p:nvPicPr>
+          <p:blipFill>
+            <a:blip r:embed="rId6"/>
+            <a:stretch>
+              <a:fillRect/>
+            </a:stretch>
+          </p:blipFill>
+          <p:spPr>
+            <a:xfrm>
+              <a:off x="4908922" y="2389543"/>
+              <a:ext cx="2424115" cy="2908938"/>
+            </a:xfrm>
+            <a:prstGeom prst="rect">
+              <a:avLst/>
+            </a:prstGeom>
+          </p:spPr>
+        </p:pic>
+        <p:sp>
+          <p:nvSpPr>
+            <p:cNvPr id="24" name="TextBox 23">
+              <a:extLst>
+                <a:ext uri="{FF2B5EF4-FFF2-40B4-BE49-F238E27FC236}">
+                  <a16:creationId xmlns:a16="http://schemas.microsoft.com/office/drawing/2014/main" id="{BBB2F545-0319-EE42-8B6D-8AA1D8E16456}"/>
+                </a:ext>
+              </a:extLst>
+            </p:cNvPr>
+            <p:cNvSpPr txBox="1"/>
+            <p:nvPr/>
+          </p:nvSpPr>
+          <p:spPr>
+            <a:xfrm>
+              <a:off x="4581588" y="2389543"/>
+              <a:ext cx="296876" cy="369332"/>
+            </a:xfrm>
+            <a:prstGeom prst="rect">
+              <a:avLst/>
+            </a:prstGeom>
+            <a:noFill/>
+          </p:spPr>
+          <p:txBody>
+            <a:bodyPr wrap="none" rtlCol="0">
+              <a:spAutoFit/>
+            </a:bodyPr>
+            <a:lstStyle/>
+            <a:p>
+              <a:r>
+                <a:rPr lang="en-US" dirty="0"/>
+                <a:t>E</a:t>
+              </a:r>
+            </a:p>
+          </p:txBody>
+        </p:sp>
+      </p:grpSp>
+    </p:spTree>
+    <p:extLst>
+      <p:ext uri="{BB962C8B-B14F-4D97-AF65-F5344CB8AC3E}">
+        <p14:creationId xmlns:p14="http://schemas.microsoft.com/office/powerpoint/2010/main" val="3337998801"/>
+      </p:ext>
+    </p:extLst>
+  </p:cSld>
+  <p:clrMapOvr>
+    <a:masterClrMapping/>
+  </p:clrMapOvr>
+</p:sld>
+</file>
+
 <file path=ppt/theme/theme1.xml><?xml version="1.0" encoding="utf-8"?>
 <a:theme xmlns:a="http://schemas.openxmlformats.org/drawingml/2006/main" name="Office Theme">
   <a:themeElements>
